--- a/01_completed/05_lab_orientation/庶務のお仕事.pptx
+++ b/01_completed/05_lab_orientation/庶務のお仕事.pptx
@@ -509,7 +509,7 @@
           <a:p>
             <a:fld id="{2BF6BA27-F998-474A-9441-D9FFA67BAC3B}" type="datetimeFigureOut">
               <a:rPr kumimoji="1" lang="ja-JP" altLang="en-US" smtClean="0"/>
-              <a:t>2018/4/4</a:t>
+              <a:t>2018/4/18</a:t>
             </a:fld>
             <a:endParaRPr kumimoji="1" lang="ja-JP" altLang="en-US"/>
           </a:p>
@@ -775,7 +775,7 @@
           <a:p>
             <a:fld id="{2BF6BA27-F998-474A-9441-D9FFA67BAC3B}" type="datetimeFigureOut">
               <a:rPr kumimoji="1" lang="ja-JP" altLang="en-US" smtClean="0"/>
-              <a:t>2018/4/4</a:t>
+              <a:t>2018/4/18</a:t>
             </a:fld>
             <a:endParaRPr kumimoji="1" lang="ja-JP" altLang="en-US"/>
           </a:p>
@@ -1025,7 +1025,7 @@
           <a:p>
             <a:fld id="{2BF6BA27-F998-474A-9441-D9FFA67BAC3B}" type="datetimeFigureOut">
               <a:rPr kumimoji="1" lang="ja-JP" altLang="en-US" smtClean="0"/>
-              <a:t>2018/4/4</a:t>
+              <a:t>2018/4/18</a:t>
             </a:fld>
             <a:endParaRPr kumimoji="1" lang="ja-JP" altLang="en-US"/>
           </a:p>
@@ -1333,7 +1333,7 @@
           <a:p>
             <a:fld id="{2BF6BA27-F998-474A-9441-D9FFA67BAC3B}" type="datetimeFigureOut">
               <a:rPr kumimoji="1" lang="ja-JP" altLang="en-US" smtClean="0"/>
-              <a:t>2018/4/4</a:t>
+              <a:t>2018/4/18</a:t>
             </a:fld>
             <a:endParaRPr kumimoji="1" lang="ja-JP" altLang="en-US"/>
           </a:p>
@@ -1651,7 +1651,7 @@
           <a:p>
             <a:fld id="{2BF6BA27-F998-474A-9441-D9FFA67BAC3B}" type="datetimeFigureOut">
               <a:rPr kumimoji="1" lang="ja-JP" altLang="en-US" smtClean="0"/>
-              <a:t>2018/4/4</a:t>
+              <a:t>2018/4/18</a:t>
             </a:fld>
             <a:endParaRPr kumimoji="1" lang="ja-JP" altLang="en-US"/>
           </a:p>
@@ -1953,7 +1953,7 @@
           <a:p>
             <a:fld id="{2BF6BA27-F998-474A-9441-D9FFA67BAC3B}" type="datetimeFigureOut">
               <a:rPr kumimoji="1" lang="ja-JP" altLang="en-US" smtClean="0"/>
-              <a:t>2018/4/4</a:t>
+              <a:t>2018/4/18</a:t>
             </a:fld>
             <a:endParaRPr kumimoji="1" lang="ja-JP" altLang="en-US"/>
           </a:p>
@@ -2320,7 +2320,7 @@
           <a:p>
             <a:fld id="{2BF6BA27-F998-474A-9441-D9FFA67BAC3B}" type="datetimeFigureOut">
               <a:rPr kumimoji="1" lang="ja-JP" altLang="en-US" smtClean="0"/>
-              <a:t>2018/4/4</a:t>
+              <a:t>2018/4/18</a:t>
             </a:fld>
             <a:endParaRPr kumimoji="1" lang="ja-JP" altLang="en-US"/>
           </a:p>
@@ -2538,7 +2538,7 @@
           <a:p>
             <a:fld id="{2BF6BA27-F998-474A-9441-D9FFA67BAC3B}" type="datetimeFigureOut">
               <a:rPr kumimoji="1" lang="ja-JP" altLang="en-US" smtClean="0"/>
-              <a:t>2018/4/4</a:t>
+              <a:t>2018/4/18</a:t>
             </a:fld>
             <a:endParaRPr kumimoji="1" lang="ja-JP" altLang="en-US"/>
           </a:p>
@@ -2756,7 +2756,7 @@
           <a:p>
             <a:fld id="{2BF6BA27-F998-474A-9441-D9FFA67BAC3B}" type="datetimeFigureOut">
               <a:rPr kumimoji="1" lang="ja-JP" altLang="en-US" smtClean="0"/>
-              <a:t>2018/4/4</a:t>
+              <a:t>2018/4/18</a:t>
             </a:fld>
             <a:endParaRPr kumimoji="1" lang="ja-JP" altLang="en-US"/>
           </a:p>
@@ -2968,7 +2968,7 @@
           <a:p>
             <a:fld id="{2BF6BA27-F998-474A-9441-D9FFA67BAC3B}" type="datetimeFigureOut">
               <a:rPr kumimoji="1" lang="ja-JP" altLang="en-US" smtClean="0"/>
-              <a:t>2018/4/4</a:t>
+              <a:t>2018/4/18</a:t>
             </a:fld>
             <a:endParaRPr kumimoji="1" lang="ja-JP" altLang="en-US"/>
           </a:p>
@@ -3218,7 +3218,7 @@
           <a:p>
             <a:fld id="{2BF6BA27-F998-474A-9441-D9FFA67BAC3B}" type="datetimeFigureOut">
               <a:rPr kumimoji="1" lang="ja-JP" altLang="en-US" smtClean="0"/>
-              <a:t>2018/4/4</a:t>
+              <a:t>2018/4/18</a:t>
             </a:fld>
             <a:endParaRPr kumimoji="1" lang="ja-JP" altLang="en-US"/>
           </a:p>
@@ -3529,7 +3529,7 @@
           <a:p>
             <a:fld id="{2BF6BA27-F998-474A-9441-D9FFA67BAC3B}" type="datetimeFigureOut">
               <a:rPr kumimoji="1" lang="ja-JP" altLang="en-US" smtClean="0"/>
-              <a:t>2018/4/4</a:t>
+              <a:t>2018/4/18</a:t>
             </a:fld>
             <a:endParaRPr kumimoji="1" lang="ja-JP" altLang="en-US"/>
           </a:p>
@@ -3982,7 +3982,7 @@
           <a:p>
             <a:fld id="{2BF6BA27-F998-474A-9441-D9FFA67BAC3B}" type="datetimeFigureOut">
               <a:rPr kumimoji="1" lang="ja-JP" altLang="en-US" smtClean="0"/>
-              <a:t>2018/4/4</a:t>
+              <a:t>2018/4/18</a:t>
             </a:fld>
             <a:endParaRPr kumimoji="1" lang="ja-JP" altLang="en-US"/>
           </a:p>
@@ -4111,7 +4111,7 @@
           <a:p>
             <a:fld id="{2BF6BA27-F998-474A-9441-D9FFA67BAC3B}" type="datetimeFigureOut">
               <a:rPr kumimoji="1" lang="ja-JP" altLang="en-US" smtClean="0"/>
-              <a:t>2018/4/4</a:t>
+              <a:t>2018/4/18</a:t>
             </a:fld>
             <a:endParaRPr kumimoji="1" lang="ja-JP" altLang="en-US"/>
           </a:p>
@@ -4206,7 +4206,7 @@
           <a:p>
             <a:fld id="{2BF6BA27-F998-474A-9441-D9FFA67BAC3B}" type="datetimeFigureOut">
               <a:rPr kumimoji="1" lang="ja-JP" altLang="en-US" smtClean="0"/>
-              <a:t>2018/4/4</a:t>
+              <a:t>2018/4/18</a:t>
             </a:fld>
             <a:endParaRPr kumimoji="1" lang="ja-JP" altLang="en-US"/>
           </a:p>
@@ -4493,7 +4493,7 @@
           <a:p>
             <a:fld id="{2BF6BA27-F998-474A-9441-D9FFA67BAC3B}" type="datetimeFigureOut">
               <a:rPr kumimoji="1" lang="ja-JP" altLang="en-US" smtClean="0"/>
-              <a:t>2018/4/4</a:t>
+              <a:t>2018/4/18</a:t>
             </a:fld>
             <a:endParaRPr kumimoji="1" lang="ja-JP" altLang="en-US"/>
           </a:p>
@@ -4776,7 +4776,7 @@
           <a:p>
             <a:fld id="{2BF6BA27-F998-474A-9441-D9FFA67BAC3B}" type="datetimeFigureOut">
               <a:rPr kumimoji="1" lang="ja-JP" altLang="en-US" smtClean="0"/>
-              <a:t>2018/4/4</a:t>
+              <a:t>2018/4/18</a:t>
             </a:fld>
             <a:endParaRPr kumimoji="1" lang="ja-JP" altLang="en-US"/>
           </a:p>
@@ -5219,7 +5219,7 @@
           <a:p>
             <a:fld id="{2BF6BA27-F998-474A-9441-D9FFA67BAC3B}" type="datetimeFigureOut">
               <a:rPr kumimoji="1" lang="ja-JP" altLang="en-US" smtClean="0"/>
-              <a:t>2018/4/4</a:t>
+              <a:t>2018/4/18</a:t>
             </a:fld>
             <a:endParaRPr kumimoji="1" lang="ja-JP" altLang="en-US"/>
           </a:p>
@@ -9036,7 +9036,7 @@
             </a:r>
             <a:r>
               <a:rPr kumimoji="1" lang="en-US" altLang="ja-JP" b="1" dirty="0"/>
-              <a:t>4</a:t>
+              <a:t>3</a:t>
             </a:r>
             <a:r>
               <a:rPr kumimoji="1" lang="ja-JP" altLang="en-US" b="1" dirty="0"/>
@@ -9398,7 +9398,7 @@
             </a:r>
             <a:r>
               <a:rPr kumimoji="1" lang="ja-JP" altLang="en-US" b="1" dirty="0"/>
-              <a:t>＜記入事項＞</a:t>
+              <a:t>＜持ち物＞</a:t>
             </a:r>
             <a:endParaRPr kumimoji="1" lang="en-US" altLang="ja-JP" b="1" dirty="0"/>
           </a:p>
@@ -9410,9 +9410,57 @@
             </a:pPr>
             <a:r>
               <a:rPr kumimoji="1" lang="ja-JP" altLang="en-US" b="1" dirty="0"/>
-              <a:t>　　○申請者</a:t>
-            </a:r>
-            <a:endParaRPr kumimoji="1" lang="en-US" altLang="ja-JP" b="1" dirty="0"/>
+              <a:t>　　　</a:t>
+            </a:r>
+            <a:r>
+              <a:rPr kumimoji="1" lang="en-US" altLang="ja-JP" b="1" dirty="0"/>
+              <a:t>1000</a:t>
+            </a:r>
+            <a:r>
+              <a:rPr kumimoji="1" lang="ja-JP" altLang="en-US" b="1" dirty="0"/>
+              <a:t>円</a:t>
+            </a:r>
+            <a:r>
+              <a:rPr kumimoji="1" lang="en-US" altLang="ja-JP" b="1" dirty="0"/>
+              <a:t>(</a:t>
+            </a:r>
+            <a:r>
+              <a:rPr kumimoji="1" lang="ja-JP" altLang="en-US" b="1" dirty="0"/>
+              <a:t>共益費から出す</a:t>
+            </a:r>
+            <a:r>
+              <a:rPr kumimoji="1" lang="en-US" altLang="ja-JP" b="1" dirty="0"/>
+              <a:t>/</a:t>
+            </a:r>
+            <a:r>
+              <a:rPr kumimoji="1" lang="ja-JP" altLang="en-US" b="1" dirty="0"/>
+              <a:t>交通研</a:t>
+            </a:r>
+            <a:r>
+              <a:rPr kumimoji="1" lang="en-US" altLang="ja-JP" b="1" dirty="0"/>
+              <a:t>500</a:t>
+            </a:r>
+            <a:r>
+              <a:rPr kumimoji="1" lang="ja-JP" altLang="en-US" b="1" dirty="0"/>
+              <a:t>円、地情研</a:t>
+            </a:r>
+            <a:r>
+              <a:rPr kumimoji="1" lang="en-US" altLang="ja-JP" b="1" dirty="0"/>
+              <a:t>500</a:t>
+            </a:r>
+            <a:r>
+              <a:rPr kumimoji="1" lang="ja-JP" altLang="en-US" b="1" dirty="0"/>
+              <a:t>円</a:t>
+            </a:r>
+            <a:r>
+              <a:rPr kumimoji="1" lang="en-US" altLang="ja-JP" b="1" dirty="0"/>
+              <a:t>)</a:t>
+            </a:r>
+            <a:r>
+              <a:rPr kumimoji="1" lang="ja-JP" altLang="en-US" b="1" dirty="0"/>
+              <a:t>　　</a:t>
+            </a:r>
+            <a:endParaRPr kumimoji="1" lang="en-US" altLang="ja-JP" dirty="0"/>
           </a:p>
           <a:p>
             <a:pPr>
@@ -9422,20 +9470,21 @@
             </a:pPr>
             <a:r>
               <a:rPr kumimoji="1" lang="ja-JP" altLang="en-US" b="1" dirty="0"/>
-              <a:t>　　　所属部局、学科・専攻、氏名、学生証番号：</a:t>
-            </a:r>
-            <a:r>
-              <a:rPr kumimoji="1" lang="en-US" altLang="ja-JP" b="1" dirty="0"/>
-              <a:t>(</a:t>
-            </a:r>
-            <a:r>
-              <a:rPr kumimoji="1" lang="ja-JP" altLang="en-US" b="1" dirty="0"/>
-              <a:t>申請者の情報</a:t>
-            </a:r>
-            <a:r>
-              <a:rPr kumimoji="1" lang="en-US" altLang="ja-JP" b="1" dirty="0"/>
-              <a:t>)</a:t>
-            </a:r>
+              <a:t>　　　</a:t>
+            </a:r>
+            <a:r>
+              <a:rPr kumimoji="1" lang="ja-JP" altLang="en-US" b="1" u="sng" dirty="0">
+                <a:solidFill>
+                  <a:schemeClr val="accent1"/>
+                </a:solidFill>
+              </a:rPr>
+              <a:t>学生証</a:t>
+            </a:r>
+            <a:endParaRPr kumimoji="1" lang="en-US" altLang="ja-JP" b="1" u="sng" dirty="0">
+              <a:solidFill>
+                <a:schemeClr val="accent1"/>
+              </a:solidFill>
+            </a:endParaRPr>
           </a:p>
           <a:p>
             <a:pPr>
@@ -9445,20 +9494,9 @@
             </a:pPr>
             <a:r>
               <a:rPr kumimoji="1" lang="ja-JP" altLang="en-US" b="1" dirty="0"/>
-              <a:t>　　○身分：</a:t>
-            </a:r>
-            <a:r>
-              <a:rPr kumimoji="1" lang="en-US" altLang="ja-JP" b="1" dirty="0"/>
-              <a:t>(</a:t>
-            </a:r>
-            <a:r>
-              <a:rPr kumimoji="1" lang="ja-JP" altLang="en-US" b="1" dirty="0"/>
-              <a:t>申請者の身分、大学院学生とか</a:t>
-            </a:r>
-            <a:r>
-              <a:rPr kumimoji="1" lang="en-US" altLang="ja-JP" b="1" dirty="0"/>
-              <a:t>)</a:t>
-            </a:r>
+              <a:t>　　＜記入事項＞</a:t>
+            </a:r>
+            <a:endParaRPr kumimoji="1" lang="en-US" altLang="ja-JP" b="1" dirty="0"/>
           </a:p>
           <a:p>
             <a:pPr>
@@ -9468,7 +9506,7 @@
             </a:pPr>
             <a:r>
               <a:rPr kumimoji="1" lang="ja-JP" altLang="en-US" b="1" dirty="0"/>
-              <a:t>　　○連絡先</a:t>
+              <a:t>　　○申請者</a:t>
             </a:r>
             <a:endParaRPr kumimoji="1" lang="en-US" altLang="ja-JP" b="1" dirty="0"/>
           </a:p>
@@ -9480,15 +9518,150 @@
             </a:pPr>
             <a:r>
               <a:rPr kumimoji="1" lang="ja-JP" altLang="en-US" b="1" dirty="0"/>
+              <a:t>　　　所属部局、学科・専攻、氏名、学生証番号：</a:t>
+            </a:r>
+            <a:r>
+              <a:rPr kumimoji="1" lang="en-US" altLang="ja-JP" b="1" dirty="0"/>
+              <a:t>(</a:t>
+            </a:r>
+            <a:r>
+              <a:rPr kumimoji="1" lang="ja-JP" altLang="en-US" b="1" dirty="0"/>
+              <a:t>申請者の情報</a:t>
+            </a:r>
+            <a:r>
+              <a:rPr kumimoji="1" lang="en-US" altLang="ja-JP" b="1" dirty="0"/>
+              <a:t>)</a:t>
+            </a:r>
+          </a:p>
+          <a:p>
+            <a:pPr>
+              <a:lnSpc>
+                <a:spcPct val="150000"/>
+              </a:lnSpc>
+            </a:pPr>
+            <a:r>
+              <a:rPr kumimoji="1" lang="ja-JP" altLang="en-US" b="1" dirty="0"/>
+              <a:t>　　○身分：</a:t>
+            </a:r>
+            <a:r>
+              <a:rPr kumimoji="1" lang="en-US" altLang="ja-JP" b="1" dirty="0"/>
+              <a:t>(</a:t>
+            </a:r>
+            <a:r>
+              <a:rPr kumimoji="1" lang="ja-JP" altLang="en-US" b="1" dirty="0"/>
+              <a:t>申請者の身分、大学院学生とか</a:t>
+            </a:r>
+            <a:r>
+              <a:rPr kumimoji="1" lang="en-US" altLang="ja-JP" b="1" dirty="0"/>
+              <a:t>)</a:t>
+            </a:r>
+          </a:p>
+          <a:p>
+            <a:pPr>
+              <a:lnSpc>
+                <a:spcPct val="150000"/>
+              </a:lnSpc>
+            </a:pPr>
+            <a:r>
+              <a:rPr kumimoji="1" lang="ja-JP" altLang="en-US" b="1" dirty="0"/>
+              <a:t>　　○連絡先</a:t>
+            </a:r>
+            <a:endParaRPr kumimoji="1" lang="en-US" altLang="ja-JP" b="1" dirty="0"/>
+          </a:p>
+          <a:p>
+            <a:pPr>
+              <a:lnSpc>
+                <a:spcPct val="150000"/>
+              </a:lnSpc>
+            </a:pPr>
+            <a:r>
+              <a:rPr kumimoji="1" lang="ja-JP" altLang="en-US" b="1" dirty="0"/>
               <a:t>　　　内線：</a:t>
             </a:r>
             <a:r>
-              <a:rPr kumimoji="1" lang="en-US" altLang="ja-JP" b="1" u="sng">
+              <a:rPr kumimoji="1" lang="en-US" altLang="ja-JP" b="1" u="sng" dirty="0">
                 <a:solidFill>
                   <a:schemeClr val="accent1"/>
                 </a:solidFill>
               </a:rPr>
               <a:t>26118</a:t>
+            </a:r>
+          </a:p>
+          <a:p>
+            <a:pPr>
+              <a:lnSpc>
+                <a:spcPct val="150000"/>
+              </a:lnSpc>
+            </a:pPr>
+            <a:r>
+              <a:rPr kumimoji="1" lang="ja-JP" altLang="en-US" b="1" dirty="0"/>
+              <a:t>　　　携帯電話番号、</a:t>
+            </a:r>
+            <a:r>
+              <a:rPr kumimoji="1" lang="en-US" altLang="ja-JP" b="1" dirty="0"/>
+              <a:t>E-mail</a:t>
+            </a:r>
+            <a:r>
+              <a:rPr kumimoji="1" lang="ja-JP" altLang="en-US" b="1" dirty="0"/>
+              <a:t>：</a:t>
+            </a:r>
+            <a:r>
+              <a:rPr kumimoji="1" lang="en-US" altLang="ja-JP" b="1" dirty="0"/>
+              <a:t>(</a:t>
+            </a:r>
+            <a:r>
+              <a:rPr kumimoji="1" lang="ja-JP" altLang="en-US" b="1" dirty="0"/>
+              <a:t>申請者の携帯電話番号、</a:t>
+            </a:r>
+            <a:r>
+              <a:rPr kumimoji="1" lang="en-US" altLang="ja-JP" b="1" dirty="0"/>
+              <a:t>E-mail)</a:t>
+            </a:r>
+          </a:p>
+          <a:p>
+            <a:pPr>
+              <a:lnSpc>
+                <a:spcPct val="150000"/>
+              </a:lnSpc>
+            </a:pPr>
+            <a:r>
+              <a:rPr kumimoji="1" lang="ja-JP" altLang="en-US" b="1" dirty="0"/>
+              <a:t>　　○防犯登録番号：</a:t>
+            </a:r>
+            <a:r>
+              <a:rPr kumimoji="1" lang="ja-JP" altLang="en-US" b="1" u="sng" dirty="0">
+                <a:solidFill>
+                  <a:schemeClr val="accent1"/>
+                </a:solidFill>
+              </a:rPr>
+              <a:t>本富士</a:t>
+            </a:r>
+            <a:r>
+              <a:rPr kumimoji="1" lang="en-US" altLang="ja-JP" b="1" u="sng" dirty="0">
+                <a:solidFill>
+                  <a:schemeClr val="accent1"/>
+                </a:solidFill>
+              </a:rPr>
+              <a:t>B 37903</a:t>
+            </a:r>
+          </a:p>
+          <a:p>
+            <a:pPr>
+              <a:lnSpc>
+                <a:spcPct val="150000"/>
+              </a:lnSpc>
+            </a:pPr>
+            <a:r>
+              <a:rPr kumimoji="1" lang="ja-JP" altLang="en-US" b="1" dirty="0"/>
+              <a:t>　　○用途：</a:t>
+            </a:r>
+            <a:r>
+              <a:rPr kumimoji="1" lang="ja-JP" altLang="en-US" b="1" u="sng" dirty="0">
+                <a:solidFill>
+                  <a:schemeClr val="accent1"/>
+                </a:solidFill>
+              </a:rPr>
+              <a:t>学内移動専用</a:t>
             </a:r>
             <a:endParaRPr kumimoji="1" lang="en-US" altLang="ja-JP" b="1" u="sng" dirty="0">
               <a:solidFill>
@@ -9504,15 +9677,7 @@
             </a:pPr>
             <a:r>
               <a:rPr kumimoji="1" lang="ja-JP" altLang="en-US" b="1" dirty="0"/>
-              <a:t>　　　携帯電話番号、</a:t>
-            </a:r>
-            <a:r>
-              <a:rPr kumimoji="1" lang="en-US" altLang="ja-JP" b="1" dirty="0"/>
-              <a:t>E-mail</a:t>
-            </a:r>
-            <a:r>
-              <a:rPr kumimoji="1" lang="ja-JP" altLang="en-US" b="1" dirty="0"/>
-              <a:t>：</a:t>
+              <a:t>　　○住所：</a:t>
             </a:r>
             <a:r>
               <a:rPr kumimoji="1" lang="en-US" altLang="ja-JP" b="1" dirty="0"/>
@@ -9520,144 +9685,15 @@
             </a:r>
             <a:r>
               <a:rPr kumimoji="1" lang="ja-JP" altLang="en-US" b="1" dirty="0"/>
-              <a:t>申請者の携帯電話番号、</a:t>
-            </a:r>
-            <a:r>
-              <a:rPr kumimoji="1" lang="en-US" altLang="ja-JP" b="1" dirty="0"/>
-              <a:t>E-mail)</a:t>
-            </a:r>
-          </a:p>
-          <a:p>
-            <a:pPr>
-              <a:lnSpc>
-                <a:spcPct val="150000"/>
-              </a:lnSpc>
-            </a:pPr>
-            <a:r>
-              <a:rPr kumimoji="1" lang="ja-JP" altLang="en-US" b="1" dirty="0"/>
-              <a:t>　　○防犯登録番号：</a:t>
-            </a:r>
-            <a:r>
-              <a:rPr kumimoji="1" lang="ja-JP" altLang="en-US" b="1" u="sng" dirty="0">
-                <a:solidFill>
-                  <a:schemeClr val="accent1"/>
-                </a:solidFill>
-              </a:rPr>
-              <a:t>本富士</a:t>
-            </a:r>
-            <a:r>
-              <a:rPr kumimoji="1" lang="en-US" altLang="ja-JP" b="1" u="sng" dirty="0">
-                <a:solidFill>
-                  <a:schemeClr val="accent1"/>
-                </a:solidFill>
-              </a:rPr>
-              <a:t>B 37903</a:t>
-            </a:r>
-          </a:p>
-          <a:p>
-            <a:pPr>
-              <a:lnSpc>
-                <a:spcPct val="150000"/>
-              </a:lnSpc>
-            </a:pPr>
-            <a:r>
-              <a:rPr kumimoji="1" lang="ja-JP" altLang="en-US" b="1" dirty="0"/>
-              <a:t>　　○用途：</a:t>
-            </a:r>
-            <a:r>
-              <a:rPr kumimoji="1" lang="ja-JP" altLang="en-US" b="1" u="sng" dirty="0">
-                <a:solidFill>
-                  <a:schemeClr val="accent1"/>
-                </a:solidFill>
-              </a:rPr>
-              <a:t>学内移動専用</a:t>
-            </a:r>
-            <a:endParaRPr kumimoji="1" lang="en-US" altLang="ja-JP" b="1" u="sng" dirty="0">
-              <a:solidFill>
-                <a:schemeClr val="accent1"/>
-              </a:solidFill>
-            </a:endParaRPr>
-          </a:p>
-          <a:p>
-            <a:pPr>
-              <a:lnSpc>
-                <a:spcPct val="150000"/>
-              </a:lnSpc>
-            </a:pPr>
-            <a:r>
-              <a:rPr kumimoji="1" lang="ja-JP" altLang="en-US" b="1" dirty="0"/>
-              <a:t>　　○住所：</a:t>
-            </a:r>
-            <a:r>
-              <a:rPr kumimoji="1" lang="en-US" altLang="ja-JP" b="1" dirty="0"/>
-              <a:t>(</a:t>
-            </a:r>
-            <a:r>
-              <a:rPr kumimoji="1" lang="ja-JP" altLang="en-US" b="1" dirty="0"/>
               <a:t>申請者の住所</a:t>
             </a:r>
             <a:r>
               <a:rPr kumimoji="1" lang="en-US" altLang="ja-JP" b="1" dirty="0"/>
               <a:t>)</a:t>
             </a:r>
-          </a:p>
-          <a:p>
-            <a:pPr>
-              <a:lnSpc>
-                <a:spcPct val="150000"/>
-              </a:lnSpc>
-            </a:pPr>
             <a:r>
               <a:rPr kumimoji="1" lang="ja-JP" altLang="en-US" b="1" dirty="0"/>
-              <a:t>　　</a:t>
-            </a:r>
-            <a:endParaRPr kumimoji="1" lang="en-US" altLang="ja-JP" b="1" dirty="0"/>
-          </a:p>
-          <a:p>
-            <a:pPr>
-              <a:lnSpc>
-                <a:spcPct val="150000"/>
-              </a:lnSpc>
-            </a:pPr>
-            <a:r>
-              <a:rPr kumimoji="1" lang="ja-JP" altLang="en-US" b="1" dirty="0"/>
-              <a:t>　　＜代金＞</a:t>
-            </a:r>
-            <a:endParaRPr kumimoji="1" lang="en-US" altLang="ja-JP" b="1" dirty="0"/>
-          </a:p>
-          <a:p>
-            <a:pPr>
-              <a:lnSpc>
-                <a:spcPct val="150000"/>
-              </a:lnSpc>
-            </a:pPr>
-            <a:r>
-              <a:rPr kumimoji="1" lang="ja-JP" altLang="en-US" b="1" dirty="0"/>
-              <a:t>　　　</a:t>
-            </a:r>
-            <a:r>
-              <a:rPr kumimoji="1" lang="en-US" altLang="ja-JP" b="1" dirty="0"/>
-              <a:t>1000</a:t>
-            </a:r>
-            <a:r>
-              <a:rPr kumimoji="1" lang="ja-JP" altLang="en-US" b="1" dirty="0"/>
-              <a:t>円</a:t>
-            </a:r>
-            <a:r>
-              <a:rPr kumimoji="1" lang="en-US" altLang="ja-JP" b="1" dirty="0"/>
-              <a:t>(</a:t>
-            </a:r>
-            <a:r>
-              <a:rPr kumimoji="1" lang="ja-JP" altLang="en-US" b="1" dirty="0"/>
-              <a:t>共益費から出す</a:t>
-            </a:r>
-            <a:r>
-              <a:rPr kumimoji="1" lang="en-US" altLang="ja-JP" b="1" dirty="0"/>
-              <a:t>)</a:t>
-            </a:r>
-            <a:r>
-              <a:rPr kumimoji="1" lang="ja-JP" altLang="en-US" b="1" dirty="0"/>
-              <a:t>　　　　　　　　　　</a:t>
+              <a:t>　　　　　　　　</a:t>
             </a:r>
             <a:endParaRPr kumimoji="1" lang="en-US" altLang="ja-JP" b="1" dirty="0"/>
           </a:p>
@@ -9770,7 +9806,7 @@
           <a:p>
             <a:r>
               <a:rPr lang="ja-JP" altLang="en-US" b="1" dirty="0"/>
-              <a:t>　自転車駐輪許可申請書のフォーマット</a:t>
+              <a:t>　自転車駐輪許可申請書</a:t>
             </a:r>
           </a:p>
         </p:txBody>
@@ -9857,7 +9893,7 @@
         <p:spPr>
           <a:xfrm>
             <a:off x="0" y="627321"/>
-            <a:ext cx="9143999" cy="4766690"/>
+            <a:ext cx="9143999" cy="4351191"/>
           </a:xfrm>
           <a:prstGeom prst="rect">
             <a:avLst/>
@@ -9976,16 +10012,8 @@
             </a:pPr>
             <a:r>
               <a:rPr kumimoji="1" lang="ja-JP" altLang="en-US" b="1" dirty="0"/>
-              <a:t>　　　公用車なのでダメですと言われたら同時に告知されている有料点検も検討。</a:t>
-            </a:r>
-            <a:endParaRPr kumimoji="1" lang="en-US" altLang="ja-JP" b="1" dirty="0"/>
-          </a:p>
-          <a:p>
-            <a:pPr>
-              <a:lnSpc>
-                <a:spcPct val="150000"/>
-              </a:lnSpc>
-            </a:pPr>
+              <a:t>　　　</a:t>
+            </a:r>
             <a:endParaRPr kumimoji="1" lang="en-US" altLang="ja-JP" b="1" u="sng" dirty="0"/>
           </a:p>
           <a:p>
@@ -10423,7 +10451,7 @@
             </a:pPr>
             <a:r>
               <a:rPr kumimoji="1" lang="ja-JP" altLang="en-US" b="1" dirty="0"/>
-              <a:t>　　　自転車駐輪許可申請書のフォーマット</a:t>
+              <a:t>　　　自転車駐輪許可申請書</a:t>
             </a:r>
             <a:endParaRPr kumimoji="1" lang="en-US" altLang="ja-JP" b="1" dirty="0"/>
           </a:p>
@@ -12069,7 +12097,7 @@
         </p:nvSpPr>
         <p:spPr>
           <a:xfrm>
-            <a:off x="1606378" y="2745171"/>
+            <a:off x="7531439" y="5481061"/>
             <a:ext cx="1186249" cy="250430"/>
           </a:xfrm>
           <a:prstGeom prst="leftRightArrow">
